--- a/2024年/周报20240517.pptx
+++ b/2024年/周报20240517.pptx
@@ -5,19 +5,19 @@
     <p:sldMasterId id="2147483648" r:id="rId1"/>
   </p:sldMasterIdLst>
   <p:notesMasterIdLst>
-    <p:notesMasterId r:id="rId5"/>
+    <p:notesMasterId r:id="rId7"/>
   </p:notesMasterIdLst>
   <p:sldIdLst>
-    <p:sldId id="256" r:id="rId3"/>
-    <p:sldId id="303" r:id="rId4"/>
-    <p:sldId id="307" r:id="rId6"/>
-    <p:sldId id="309" r:id="rId7"/>
-    <p:sldId id="308" r:id="rId8"/>
+    <p:sldId id="256" r:id="rId2"/>
+    <p:sldId id="303" r:id="rId3"/>
+    <p:sldId id="307" r:id="rId4"/>
+    <p:sldId id="309" r:id="rId5"/>
+    <p:sldId id="308" r:id="rId6"/>
   </p:sldIdLst>
-  <p:sldSz cx="21673820" cy="12192000"/>
+  <p:sldSz cx="21674138" cy="12192000"/>
   <p:notesSz cx="6858000" cy="9144000"/>
   <p:custDataLst>
-    <p:tags r:id="rId12"/>
+    <p:tags r:id="rId8"/>
   </p:custDataLst>
   <p:defaultTextStyle>
     <a:defPPr>
@@ -114,6 +114,11 @@
       </a:defRPr>
     </a:lvl9pPr>
   </p:defaultTextStyle>
+  <p:extLst>
+    <p:ext uri="{EFAFB233-063F-42B5-8137-9DF3F51BA10A}">
+      <p15:sldGuideLst xmlns:p15="http://schemas.microsoft.com/office/powerpoint/2012/main"/>
+    </p:ext>
+  </p:extLst>
 </p:presentation>
 </file>
 
@@ -199,6 +204,7 @@
           <a:p>
             <a:fld id="{92A886A3-F3BF-43BF-98DA-550FC405FF30}" type="datetimeFigureOut">
               <a:rPr lang="zh-CN" altLang="en-US" smtClean="0"/>
+              <a:t>2024/5/17</a:t>
             </a:fld>
             <a:endParaRPr lang="zh-CN" altLang="en-US"/>
           </a:p>
@@ -265,7 +271,6 @@
               <a:rPr lang="zh-CN" altLang="en-US"/>
               <a:t>编辑母版文本样式</a:t>
             </a:r>
-            <a:endParaRPr lang="zh-CN" altLang="en-US"/>
           </a:p>
           <a:p>
             <a:pPr lvl="1"/>
@@ -273,7 +278,6 @@
               <a:rPr lang="zh-CN" altLang="en-US"/>
               <a:t>第二级</a:t>
             </a:r>
-            <a:endParaRPr lang="zh-CN" altLang="en-US"/>
           </a:p>
           <a:p>
             <a:pPr lvl="2"/>
@@ -281,7 +285,6 @@
               <a:rPr lang="zh-CN" altLang="en-US"/>
               <a:t>第三级</a:t>
             </a:r>
-            <a:endParaRPr lang="zh-CN" altLang="en-US"/>
           </a:p>
           <a:p>
             <a:pPr lvl="3"/>
@@ -289,7 +292,6 @@
               <a:rPr lang="zh-CN" altLang="en-US"/>
               <a:t>第四级</a:t>
             </a:r>
-            <a:endParaRPr lang="zh-CN" altLang="en-US"/>
           </a:p>
           <a:p>
             <a:pPr lvl="4"/>
@@ -297,7 +299,6 @@
               <a:rPr lang="zh-CN" altLang="en-US"/>
               <a:t>第五级</a:t>
             </a:r>
-            <a:endParaRPr lang="zh-CN" altLang="en-US"/>
           </a:p>
         </p:txBody>
       </p:sp>
@@ -361,6 +362,7 @@
           <a:p>
             <a:fld id="{20243972-8437-4FFD-A994-054600F4BB13}" type="slidenum">
               <a:rPr lang="zh-CN" altLang="en-US" smtClean="0"/>
+              <a:t>‹#›</a:t>
             </a:fld>
             <a:endParaRPr lang="zh-CN" altLang="en-US"/>
           </a:p>
@@ -529,6 +531,7 @@
           <a:p>
             <a:fld id="{20243972-8437-4FFD-A994-054600F4BB13}" type="slidenum">
               <a:rPr lang="zh-CN" altLang="en-US" smtClean="0"/>
+              <a:t>2</a:t>
             </a:fld>
             <a:endParaRPr lang="zh-CN" altLang="en-US"/>
           </a:p>
@@ -607,6 +610,7 @@
           <a:p>
             <a:fld id="{20243972-8437-4FFD-A994-054600F4BB13}" type="slidenum">
               <a:rPr lang="zh-CN" altLang="en-US" smtClean="0"/>
+              <a:t>3</a:t>
             </a:fld>
             <a:endParaRPr lang="zh-CN" altLang="en-US"/>
           </a:p>
@@ -685,6 +689,7 @@
           <a:p>
             <a:fld id="{20243972-8437-4FFD-A994-054600F4BB13}" type="slidenum">
               <a:rPr lang="zh-CN" altLang="en-US" smtClean="0"/>
+              <a:t>4</a:t>
             </a:fld>
             <a:endParaRPr lang="zh-CN" altLang="en-US"/>
           </a:p>
@@ -763,6 +768,7 @@
           <a:p>
             <a:fld id="{20243972-8437-4FFD-A994-054600F4BB13}" type="slidenum">
               <a:rPr lang="zh-CN" altLang="en-US" smtClean="0"/>
+              <a:t>5</a:t>
             </a:fld>
             <a:endParaRPr lang="zh-CN" altLang="en-US"/>
           </a:p>
@@ -821,7 +827,6 @@
               <a:rPr lang="zh-CN" altLang="en-US"/>
               <a:t>单击此处编辑母版标题样式</a:t>
             </a:r>
-            <a:endParaRPr lang="zh-CN" altLang="en-US"/>
           </a:p>
         </p:txBody>
       </p:sp>
@@ -886,7 +891,6 @@
               <a:rPr lang="zh-CN" altLang="en-US"/>
               <a:t>单击此处编辑母版副标题样式</a:t>
             </a:r>
-            <a:endParaRPr lang="zh-CN" altLang="en-US"/>
           </a:p>
         </p:txBody>
       </p:sp>
@@ -907,6 +911,7 @@
           <a:p>
             <a:fld id="{A94AD69E-FE2F-4EDF-9961-DCA2A010D4E8}" type="datetimeFigureOut">
               <a:rPr lang="zh-CN" altLang="en-US" smtClean="0"/>
+              <a:t>2024/5/17</a:t>
             </a:fld>
             <a:endParaRPr lang="zh-CN" altLang="en-US"/>
           </a:p>
@@ -948,6 +953,7 @@
           <a:p>
             <a:fld id="{D136606D-2876-4B42-B906-0F01D489F363}" type="slidenum">
               <a:rPr lang="zh-CN" altLang="en-US" smtClean="0"/>
+              <a:t>‹#›</a:t>
             </a:fld>
             <a:endParaRPr lang="zh-CN" altLang="en-US"/>
           </a:p>
@@ -997,7 +1003,6 @@
               <a:rPr lang="zh-CN" altLang="en-US"/>
               <a:t>单击此处编辑母版标题样式</a:t>
             </a:r>
-            <a:endParaRPr lang="zh-CN" altLang="en-US"/>
           </a:p>
         </p:txBody>
       </p:sp>
@@ -1021,7 +1026,6 @@
               <a:rPr lang="zh-CN" altLang="en-US"/>
               <a:t>编辑母版文本样式</a:t>
             </a:r>
-            <a:endParaRPr lang="zh-CN" altLang="en-US"/>
           </a:p>
           <a:p>
             <a:pPr lvl="1"/>
@@ -1029,7 +1033,6 @@
               <a:rPr lang="zh-CN" altLang="en-US"/>
               <a:t>第二级</a:t>
             </a:r>
-            <a:endParaRPr lang="zh-CN" altLang="en-US"/>
           </a:p>
           <a:p>
             <a:pPr lvl="2"/>
@@ -1037,7 +1040,6 @@
               <a:rPr lang="zh-CN" altLang="en-US"/>
               <a:t>第三级</a:t>
             </a:r>
-            <a:endParaRPr lang="zh-CN" altLang="en-US"/>
           </a:p>
           <a:p>
             <a:pPr lvl="3"/>
@@ -1045,7 +1047,6 @@
               <a:rPr lang="zh-CN" altLang="en-US"/>
               <a:t>第四级</a:t>
             </a:r>
-            <a:endParaRPr lang="zh-CN" altLang="en-US"/>
           </a:p>
           <a:p>
             <a:pPr lvl="4"/>
@@ -1053,7 +1054,6 @@
               <a:rPr lang="zh-CN" altLang="en-US"/>
               <a:t>第五级</a:t>
             </a:r>
-            <a:endParaRPr lang="zh-CN" altLang="en-US"/>
           </a:p>
         </p:txBody>
       </p:sp>
@@ -1074,6 +1074,7 @@
           <a:p>
             <a:fld id="{A94AD69E-FE2F-4EDF-9961-DCA2A010D4E8}" type="datetimeFigureOut">
               <a:rPr lang="zh-CN" altLang="en-US" smtClean="0"/>
+              <a:t>2024/5/17</a:t>
             </a:fld>
             <a:endParaRPr lang="zh-CN" altLang="en-US"/>
           </a:p>
@@ -1115,6 +1116,7 @@
           <a:p>
             <a:fld id="{D136606D-2876-4B42-B906-0F01D489F363}" type="slidenum">
               <a:rPr lang="zh-CN" altLang="en-US" smtClean="0"/>
+              <a:t>‹#›</a:t>
             </a:fld>
             <a:endParaRPr lang="zh-CN" altLang="en-US"/>
           </a:p>
@@ -1169,7 +1171,6 @@
               <a:rPr lang="zh-CN" altLang="en-US"/>
               <a:t>单击此处编辑母版标题样式</a:t>
             </a:r>
-            <a:endParaRPr lang="zh-CN" altLang="en-US"/>
           </a:p>
         </p:txBody>
       </p:sp>
@@ -1198,7 +1199,6 @@
               <a:rPr lang="zh-CN" altLang="en-US"/>
               <a:t>编辑母版文本样式</a:t>
             </a:r>
-            <a:endParaRPr lang="zh-CN" altLang="en-US"/>
           </a:p>
           <a:p>
             <a:pPr lvl="1"/>
@@ -1206,7 +1206,6 @@
               <a:rPr lang="zh-CN" altLang="en-US"/>
               <a:t>第二级</a:t>
             </a:r>
-            <a:endParaRPr lang="zh-CN" altLang="en-US"/>
           </a:p>
           <a:p>
             <a:pPr lvl="2"/>
@@ -1214,7 +1213,6 @@
               <a:rPr lang="zh-CN" altLang="en-US"/>
               <a:t>第三级</a:t>
             </a:r>
-            <a:endParaRPr lang="zh-CN" altLang="en-US"/>
           </a:p>
           <a:p>
             <a:pPr lvl="3"/>
@@ -1222,7 +1220,6 @@
               <a:rPr lang="zh-CN" altLang="en-US"/>
               <a:t>第四级</a:t>
             </a:r>
-            <a:endParaRPr lang="zh-CN" altLang="en-US"/>
           </a:p>
           <a:p>
             <a:pPr lvl="4"/>
@@ -1230,7 +1227,6 @@
               <a:rPr lang="zh-CN" altLang="en-US"/>
               <a:t>第五级</a:t>
             </a:r>
-            <a:endParaRPr lang="zh-CN" altLang="en-US"/>
           </a:p>
         </p:txBody>
       </p:sp>
@@ -1251,6 +1247,7 @@
           <a:p>
             <a:fld id="{A94AD69E-FE2F-4EDF-9961-DCA2A010D4E8}" type="datetimeFigureOut">
               <a:rPr lang="zh-CN" altLang="en-US" smtClean="0"/>
+              <a:t>2024/5/17</a:t>
             </a:fld>
             <a:endParaRPr lang="zh-CN" altLang="en-US"/>
           </a:p>
@@ -1292,6 +1289,7 @@
           <a:p>
             <a:fld id="{D136606D-2876-4B42-B906-0F01D489F363}" type="slidenum">
               <a:rPr lang="zh-CN" altLang="en-US" smtClean="0"/>
+              <a:t>‹#›</a:t>
             </a:fld>
             <a:endParaRPr lang="zh-CN" altLang="en-US"/>
           </a:p>
@@ -1341,7 +1339,6 @@
               <a:rPr lang="zh-CN" altLang="en-US"/>
               <a:t>单击此处编辑母版标题样式</a:t>
             </a:r>
-            <a:endParaRPr lang="zh-CN" altLang="en-US"/>
           </a:p>
         </p:txBody>
       </p:sp>
@@ -1365,7 +1362,6 @@
               <a:rPr lang="zh-CN" altLang="en-US"/>
               <a:t>编辑母版文本样式</a:t>
             </a:r>
-            <a:endParaRPr lang="zh-CN" altLang="en-US"/>
           </a:p>
           <a:p>
             <a:pPr lvl="1"/>
@@ -1373,7 +1369,6 @@
               <a:rPr lang="zh-CN" altLang="en-US"/>
               <a:t>第二级</a:t>
             </a:r>
-            <a:endParaRPr lang="zh-CN" altLang="en-US"/>
           </a:p>
           <a:p>
             <a:pPr lvl="2"/>
@@ -1381,7 +1376,6 @@
               <a:rPr lang="zh-CN" altLang="en-US"/>
               <a:t>第三级</a:t>
             </a:r>
-            <a:endParaRPr lang="zh-CN" altLang="en-US"/>
           </a:p>
           <a:p>
             <a:pPr lvl="3"/>
@@ -1389,7 +1383,6 @@
               <a:rPr lang="zh-CN" altLang="en-US"/>
               <a:t>第四级</a:t>
             </a:r>
-            <a:endParaRPr lang="zh-CN" altLang="en-US"/>
           </a:p>
           <a:p>
             <a:pPr lvl="4"/>
@@ -1397,7 +1390,6 @@
               <a:rPr lang="zh-CN" altLang="en-US"/>
               <a:t>第五级</a:t>
             </a:r>
-            <a:endParaRPr lang="zh-CN" altLang="en-US"/>
           </a:p>
         </p:txBody>
       </p:sp>
@@ -1418,6 +1410,7 @@
           <a:p>
             <a:fld id="{A94AD69E-FE2F-4EDF-9961-DCA2A010D4E8}" type="datetimeFigureOut">
               <a:rPr lang="zh-CN" altLang="en-US" smtClean="0"/>
+              <a:t>2024/5/17</a:t>
             </a:fld>
             <a:endParaRPr lang="zh-CN" altLang="en-US"/>
           </a:p>
@@ -1459,6 +1452,7 @@
           <a:p>
             <a:fld id="{D136606D-2876-4B42-B906-0F01D489F363}" type="slidenum">
               <a:rPr lang="zh-CN" altLang="en-US" smtClean="0"/>
+              <a:t>‹#›</a:t>
             </a:fld>
             <a:endParaRPr lang="zh-CN" altLang="en-US"/>
           </a:p>
@@ -1517,7 +1511,6 @@
               <a:rPr lang="zh-CN" altLang="en-US"/>
               <a:t>单击此处编辑母版标题样式</a:t>
             </a:r>
-            <a:endParaRPr lang="zh-CN" altLang="en-US"/>
           </a:p>
         </p:txBody>
       </p:sp>
@@ -1637,7 +1630,6 @@
               <a:rPr lang="zh-CN" altLang="en-US"/>
               <a:t>编辑母版文本样式</a:t>
             </a:r>
-            <a:endParaRPr lang="zh-CN" altLang="en-US"/>
           </a:p>
         </p:txBody>
       </p:sp>
@@ -1658,6 +1650,7 @@
           <a:p>
             <a:fld id="{A94AD69E-FE2F-4EDF-9961-DCA2A010D4E8}" type="datetimeFigureOut">
               <a:rPr lang="zh-CN" altLang="en-US" smtClean="0"/>
+              <a:t>2024/5/17</a:t>
             </a:fld>
             <a:endParaRPr lang="zh-CN" altLang="en-US"/>
           </a:p>
@@ -1699,6 +1692,7 @@
           <a:p>
             <a:fld id="{D136606D-2876-4B42-B906-0F01D489F363}" type="slidenum">
               <a:rPr lang="zh-CN" altLang="en-US" smtClean="0"/>
+              <a:t>‹#›</a:t>
             </a:fld>
             <a:endParaRPr lang="zh-CN" altLang="en-US"/>
           </a:p>
@@ -1748,7 +1742,6 @@
               <a:rPr lang="zh-CN" altLang="en-US"/>
               <a:t>单击此处编辑母版标题样式</a:t>
             </a:r>
-            <a:endParaRPr lang="zh-CN" altLang="en-US"/>
           </a:p>
         </p:txBody>
       </p:sp>
@@ -1777,7 +1770,6 @@
               <a:rPr lang="zh-CN" altLang="en-US"/>
               <a:t>编辑母版文本样式</a:t>
             </a:r>
-            <a:endParaRPr lang="zh-CN" altLang="en-US"/>
           </a:p>
           <a:p>
             <a:pPr lvl="1"/>
@@ -1785,7 +1777,6 @@
               <a:rPr lang="zh-CN" altLang="en-US"/>
               <a:t>第二级</a:t>
             </a:r>
-            <a:endParaRPr lang="zh-CN" altLang="en-US"/>
           </a:p>
           <a:p>
             <a:pPr lvl="2"/>
@@ -1793,7 +1784,6 @@
               <a:rPr lang="zh-CN" altLang="en-US"/>
               <a:t>第三级</a:t>
             </a:r>
-            <a:endParaRPr lang="zh-CN" altLang="en-US"/>
           </a:p>
           <a:p>
             <a:pPr lvl="3"/>
@@ -1801,7 +1791,6 @@
               <a:rPr lang="zh-CN" altLang="en-US"/>
               <a:t>第四级</a:t>
             </a:r>
-            <a:endParaRPr lang="zh-CN" altLang="en-US"/>
           </a:p>
           <a:p>
             <a:pPr lvl="4"/>
@@ -1809,7 +1798,6 @@
               <a:rPr lang="zh-CN" altLang="en-US"/>
               <a:t>第五级</a:t>
             </a:r>
-            <a:endParaRPr lang="zh-CN" altLang="en-US"/>
           </a:p>
         </p:txBody>
       </p:sp>
@@ -1838,7 +1826,6 @@
               <a:rPr lang="zh-CN" altLang="en-US"/>
               <a:t>编辑母版文本样式</a:t>
             </a:r>
-            <a:endParaRPr lang="zh-CN" altLang="en-US"/>
           </a:p>
           <a:p>
             <a:pPr lvl="1"/>
@@ -1846,7 +1833,6 @@
               <a:rPr lang="zh-CN" altLang="en-US"/>
               <a:t>第二级</a:t>
             </a:r>
-            <a:endParaRPr lang="zh-CN" altLang="en-US"/>
           </a:p>
           <a:p>
             <a:pPr lvl="2"/>
@@ -1854,7 +1840,6 @@
               <a:rPr lang="zh-CN" altLang="en-US"/>
               <a:t>第三级</a:t>
             </a:r>
-            <a:endParaRPr lang="zh-CN" altLang="en-US"/>
           </a:p>
           <a:p>
             <a:pPr lvl="3"/>
@@ -1862,7 +1847,6 @@
               <a:rPr lang="zh-CN" altLang="en-US"/>
               <a:t>第四级</a:t>
             </a:r>
-            <a:endParaRPr lang="zh-CN" altLang="en-US"/>
           </a:p>
           <a:p>
             <a:pPr lvl="4"/>
@@ -1870,7 +1854,6 @@
               <a:rPr lang="zh-CN" altLang="en-US"/>
               <a:t>第五级</a:t>
             </a:r>
-            <a:endParaRPr lang="zh-CN" altLang="en-US"/>
           </a:p>
         </p:txBody>
       </p:sp>
@@ -1891,6 +1874,7 @@
           <a:p>
             <a:fld id="{A94AD69E-FE2F-4EDF-9961-DCA2A010D4E8}" type="datetimeFigureOut">
               <a:rPr lang="zh-CN" altLang="en-US" smtClean="0"/>
+              <a:t>2024/5/17</a:t>
             </a:fld>
             <a:endParaRPr lang="zh-CN" altLang="en-US"/>
           </a:p>
@@ -1932,6 +1916,7 @@
           <a:p>
             <a:fld id="{D136606D-2876-4B42-B906-0F01D489F363}" type="slidenum">
               <a:rPr lang="zh-CN" altLang="en-US" smtClean="0"/>
+              <a:t>‹#›</a:t>
             </a:fld>
             <a:endParaRPr lang="zh-CN" altLang="en-US"/>
           </a:p>
@@ -1986,7 +1971,6 @@
               <a:rPr lang="zh-CN" altLang="en-US"/>
               <a:t>单击此处编辑母版标题样式</a:t>
             </a:r>
-            <a:endParaRPr lang="zh-CN" altLang="en-US"/>
           </a:p>
         </p:txBody>
       </p:sp>
@@ -2052,7 +2036,6 @@
               <a:rPr lang="zh-CN" altLang="en-US"/>
               <a:t>编辑母版文本样式</a:t>
             </a:r>
-            <a:endParaRPr lang="zh-CN" altLang="en-US"/>
           </a:p>
         </p:txBody>
       </p:sp>
@@ -2081,7 +2064,6 @@
               <a:rPr lang="zh-CN" altLang="en-US"/>
               <a:t>编辑母版文本样式</a:t>
             </a:r>
-            <a:endParaRPr lang="zh-CN" altLang="en-US"/>
           </a:p>
           <a:p>
             <a:pPr lvl="1"/>
@@ -2089,7 +2071,6 @@
               <a:rPr lang="zh-CN" altLang="en-US"/>
               <a:t>第二级</a:t>
             </a:r>
-            <a:endParaRPr lang="zh-CN" altLang="en-US"/>
           </a:p>
           <a:p>
             <a:pPr lvl="2"/>
@@ -2097,7 +2078,6 @@
               <a:rPr lang="zh-CN" altLang="en-US"/>
               <a:t>第三级</a:t>
             </a:r>
-            <a:endParaRPr lang="zh-CN" altLang="en-US"/>
           </a:p>
           <a:p>
             <a:pPr lvl="3"/>
@@ -2105,7 +2085,6 @@
               <a:rPr lang="zh-CN" altLang="en-US"/>
               <a:t>第四级</a:t>
             </a:r>
-            <a:endParaRPr lang="zh-CN" altLang="en-US"/>
           </a:p>
           <a:p>
             <a:pPr lvl="4"/>
@@ -2113,7 +2092,6 @@
               <a:rPr lang="zh-CN" altLang="en-US"/>
               <a:t>第五级</a:t>
             </a:r>
-            <a:endParaRPr lang="zh-CN" altLang="en-US"/>
           </a:p>
         </p:txBody>
       </p:sp>
@@ -2179,7 +2157,6 @@
               <a:rPr lang="zh-CN" altLang="en-US"/>
               <a:t>编辑母版文本样式</a:t>
             </a:r>
-            <a:endParaRPr lang="zh-CN" altLang="en-US"/>
           </a:p>
         </p:txBody>
       </p:sp>
@@ -2208,7 +2185,6 @@
               <a:rPr lang="zh-CN" altLang="en-US"/>
               <a:t>编辑母版文本样式</a:t>
             </a:r>
-            <a:endParaRPr lang="zh-CN" altLang="en-US"/>
           </a:p>
           <a:p>
             <a:pPr lvl="1"/>
@@ -2216,7 +2192,6 @@
               <a:rPr lang="zh-CN" altLang="en-US"/>
               <a:t>第二级</a:t>
             </a:r>
-            <a:endParaRPr lang="zh-CN" altLang="en-US"/>
           </a:p>
           <a:p>
             <a:pPr lvl="2"/>
@@ -2224,7 +2199,6 @@
               <a:rPr lang="zh-CN" altLang="en-US"/>
               <a:t>第三级</a:t>
             </a:r>
-            <a:endParaRPr lang="zh-CN" altLang="en-US"/>
           </a:p>
           <a:p>
             <a:pPr lvl="3"/>
@@ -2232,7 +2206,6 @@
               <a:rPr lang="zh-CN" altLang="en-US"/>
               <a:t>第四级</a:t>
             </a:r>
-            <a:endParaRPr lang="zh-CN" altLang="en-US"/>
           </a:p>
           <a:p>
             <a:pPr lvl="4"/>
@@ -2240,7 +2213,6 @@
               <a:rPr lang="zh-CN" altLang="en-US"/>
               <a:t>第五级</a:t>
             </a:r>
-            <a:endParaRPr lang="zh-CN" altLang="en-US"/>
           </a:p>
         </p:txBody>
       </p:sp>
@@ -2261,6 +2233,7 @@
           <a:p>
             <a:fld id="{A94AD69E-FE2F-4EDF-9961-DCA2A010D4E8}" type="datetimeFigureOut">
               <a:rPr lang="zh-CN" altLang="en-US" smtClean="0"/>
+              <a:t>2024/5/17</a:t>
             </a:fld>
             <a:endParaRPr lang="zh-CN" altLang="en-US"/>
           </a:p>
@@ -2302,6 +2275,7 @@
           <a:p>
             <a:fld id="{D136606D-2876-4B42-B906-0F01D489F363}" type="slidenum">
               <a:rPr lang="zh-CN" altLang="en-US" smtClean="0"/>
+              <a:t>‹#›</a:t>
             </a:fld>
             <a:endParaRPr lang="zh-CN" altLang="en-US"/>
           </a:p>
@@ -2351,7 +2325,6 @@
               <a:rPr lang="zh-CN" altLang="en-US"/>
               <a:t>单击此处编辑母版标题样式</a:t>
             </a:r>
-            <a:endParaRPr lang="zh-CN" altLang="en-US"/>
           </a:p>
         </p:txBody>
       </p:sp>
@@ -2372,6 +2345,7 @@
           <a:p>
             <a:fld id="{A94AD69E-FE2F-4EDF-9961-DCA2A010D4E8}" type="datetimeFigureOut">
               <a:rPr lang="zh-CN" altLang="en-US" smtClean="0"/>
+              <a:t>2024/5/17</a:t>
             </a:fld>
             <a:endParaRPr lang="zh-CN" altLang="en-US"/>
           </a:p>
@@ -2413,6 +2387,7 @@
           <a:p>
             <a:fld id="{D136606D-2876-4B42-B906-0F01D489F363}" type="slidenum">
               <a:rPr lang="zh-CN" altLang="en-US" smtClean="0"/>
+              <a:t>‹#›</a:t>
             </a:fld>
             <a:endParaRPr lang="zh-CN" altLang="en-US"/>
           </a:p>
@@ -2460,6 +2435,7 @@
           <a:p>
             <a:fld id="{A94AD69E-FE2F-4EDF-9961-DCA2A010D4E8}" type="datetimeFigureOut">
               <a:rPr lang="zh-CN" altLang="en-US" smtClean="0"/>
+              <a:t>2024/5/17</a:t>
             </a:fld>
             <a:endParaRPr lang="zh-CN" altLang="en-US"/>
           </a:p>
@@ -2501,6 +2477,7 @@
           <a:p>
             <a:fld id="{D136606D-2876-4B42-B906-0F01D489F363}" type="slidenum">
               <a:rPr lang="zh-CN" altLang="en-US" smtClean="0"/>
+              <a:t>‹#›</a:t>
             </a:fld>
             <a:endParaRPr lang="zh-CN" altLang="en-US"/>
           </a:p>
@@ -2559,7 +2536,6 @@
               <a:rPr lang="zh-CN" altLang="en-US"/>
               <a:t>单击此处编辑母版标题样式</a:t>
             </a:r>
-            <a:endParaRPr lang="zh-CN" altLang="en-US"/>
           </a:p>
         </p:txBody>
       </p:sp>
@@ -2616,7 +2592,6 @@
               <a:rPr lang="zh-CN" altLang="en-US"/>
               <a:t>编辑母版文本样式</a:t>
             </a:r>
-            <a:endParaRPr lang="zh-CN" altLang="en-US"/>
           </a:p>
           <a:p>
             <a:pPr lvl="1"/>
@@ -2624,7 +2599,6 @@
               <a:rPr lang="zh-CN" altLang="en-US"/>
               <a:t>第二级</a:t>
             </a:r>
-            <a:endParaRPr lang="zh-CN" altLang="en-US"/>
           </a:p>
           <a:p>
             <a:pPr lvl="2"/>
@@ -2632,7 +2606,6 @@
               <a:rPr lang="zh-CN" altLang="en-US"/>
               <a:t>第三级</a:t>
             </a:r>
-            <a:endParaRPr lang="zh-CN" altLang="en-US"/>
           </a:p>
           <a:p>
             <a:pPr lvl="3"/>
@@ -2640,7 +2613,6 @@
               <a:rPr lang="zh-CN" altLang="en-US"/>
               <a:t>第四级</a:t>
             </a:r>
-            <a:endParaRPr lang="zh-CN" altLang="en-US"/>
           </a:p>
           <a:p>
             <a:pPr lvl="4"/>
@@ -2648,7 +2620,6 @@
               <a:rPr lang="zh-CN" altLang="en-US"/>
               <a:t>第五级</a:t>
             </a:r>
-            <a:endParaRPr lang="zh-CN" altLang="en-US"/>
           </a:p>
         </p:txBody>
       </p:sp>
@@ -2714,7 +2685,6 @@
               <a:rPr lang="zh-CN" altLang="en-US"/>
               <a:t>编辑母版文本样式</a:t>
             </a:r>
-            <a:endParaRPr lang="zh-CN" altLang="en-US"/>
           </a:p>
         </p:txBody>
       </p:sp>
@@ -2735,6 +2705,7 @@
           <a:p>
             <a:fld id="{A94AD69E-FE2F-4EDF-9961-DCA2A010D4E8}" type="datetimeFigureOut">
               <a:rPr lang="zh-CN" altLang="en-US" smtClean="0"/>
+              <a:t>2024/5/17</a:t>
             </a:fld>
             <a:endParaRPr lang="zh-CN" altLang="en-US"/>
           </a:p>
@@ -2776,6 +2747,7 @@
           <a:p>
             <a:fld id="{D136606D-2876-4B42-B906-0F01D489F363}" type="slidenum">
               <a:rPr lang="zh-CN" altLang="en-US" smtClean="0"/>
+              <a:t>‹#›</a:t>
             </a:fld>
             <a:endParaRPr lang="zh-CN" altLang="en-US"/>
           </a:p>
@@ -2834,7 +2806,6 @@
               <a:rPr lang="zh-CN" altLang="en-US"/>
               <a:t>单击此处编辑母版标题样式</a:t>
             </a:r>
-            <a:endParaRPr lang="zh-CN" altLang="en-US"/>
           </a:p>
         </p:txBody>
       </p:sp>
@@ -2961,7 +2932,6 @@
               <a:rPr lang="zh-CN" altLang="en-US"/>
               <a:t>编辑母版文本样式</a:t>
             </a:r>
-            <a:endParaRPr lang="zh-CN" altLang="en-US"/>
           </a:p>
         </p:txBody>
       </p:sp>
@@ -2982,6 +2952,7 @@
           <a:p>
             <a:fld id="{A94AD69E-FE2F-4EDF-9961-DCA2A010D4E8}" type="datetimeFigureOut">
               <a:rPr lang="zh-CN" altLang="en-US" smtClean="0"/>
+              <a:t>2024/5/17</a:t>
             </a:fld>
             <a:endParaRPr lang="zh-CN" altLang="en-US"/>
           </a:p>
@@ -3023,6 +2994,7 @@
           <a:p>
             <a:fld id="{D136606D-2876-4B42-B906-0F01D489F363}" type="slidenum">
               <a:rPr lang="zh-CN" altLang="en-US" smtClean="0"/>
+              <a:t>‹#›</a:t>
             </a:fld>
             <a:endParaRPr lang="zh-CN" altLang="en-US"/>
           </a:p>
@@ -3087,7 +3059,6 @@
               <a:rPr lang="zh-CN" altLang="en-US"/>
               <a:t>单击此处编辑母版标题样式</a:t>
             </a:r>
-            <a:endParaRPr lang="zh-CN" altLang="en-US"/>
           </a:p>
         </p:txBody>
       </p:sp>
@@ -3121,7 +3092,6 @@
               <a:rPr lang="zh-CN" altLang="en-US"/>
               <a:t>编辑母版文本样式</a:t>
             </a:r>
-            <a:endParaRPr lang="zh-CN" altLang="en-US"/>
           </a:p>
           <a:p>
             <a:pPr lvl="1"/>
@@ -3129,7 +3099,6 @@
               <a:rPr lang="zh-CN" altLang="en-US"/>
               <a:t>第二级</a:t>
             </a:r>
-            <a:endParaRPr lang="zh-CN" altLang="en-US"/>
           </a:p>
           <a:p>
             <a:pPr lvl="2"/>
@@ -3137,7 +3106,6 @@
               <a:rPr lang="zh-CN" altLang="en-US"/>
               <a:t>第三级</a:t>
             </a:r>
-            <a:endParaRPr lang="zh-CN" altLang="en-US"/>
           </a:p>
           <a:p>
             <a:pPr lvl="3"/>
@@ -3145,7 +3113,6 @@
               <a:rPr lang="zh-CN" altLang="en-US"/>
               <a:t>第四级</a:t>
             </a:r>
-            <a:endParaRPr lang="zh-CN" altLang="en-US"/>
           </a:p>
           <a:p>
             <a:pPr lvl="4"/>
@@ -3153,7 +3120,6 @@
               <a:rPr lang="zh-CN" altLang="en-US"/>
               <a:t>第五级</a:t>
             </a:r>
-            <a:endParaRPr lang="zh-CN" altLang="en-US"/>
           </a:p>
         </p:txBody>
       </p:sp>
@@ -3192,6 +3158,7 @@
           <a:p>
             <a:fld id="{A94AD69E-FE2F-4EDF-9961-DCA2A010D4E8}" type="datetimeFigureOut">
               <a:rPr lang="zh-CN" altLang="en-US" smtClean="0"/>
+              <a:t>2024/5/17</a:t>
             </a:fld>
             <a:endParaRPr lang="zh-CN" altLang="en-US"/>
           </a:p>
@@ -3269,6 +3236,7 @@
           <a:p>
             <a:fld id="{D136606D-2876-4B42-B906-0F01D489F363}" type="slidenum">
               <a:rPr lang="zh-CN" altLang="en-US" smtClean="0"/>
+              <a:t>‹#›</a:t>
             </a:fld>
             <a:endParaRPr lang="zh-CN" altLang="en-US"/>
           </a:p>
@@ -3639,13 +3607,6 @@
               </a:rPr>
               <a:t>5.17</a:t>
             </a:r>
-            <a:endParaRPr lang="en-US" altLang="zh-CN" sz="4265" b="1" dirty="0">
-              <a:solidFill>
-                <a:srgbClr val="002060"/>
-              </a:solidFill>
-              <a:latin typeface="微软雅黑" panose="020B0503020204020204" pitchFamily="34" charset="-122"/>
-              <a:ea typeface="微软雅黑" panose="020B0503020204020204" pitchFamily="34" charset="-122"/>
-            </a:endParaRPr>
           </a:p>
         </p:txBody>
       </p:sp>
@@ -3764,27 +3725,8 @@
                       <a:ea typeface="微软雅黑" panose="020B0503020204020204" pitchFamily="34" charset="-122"/>
                       <a:sym typeface="+mn-ea"/>
                     </a:rPr>
-                    <a:t>学习文献，了解比色传感</a:t>
+                    <a:t>学习文献，了解比色传感原理</a:t>
                   </a:r>
-                  <a:r>
-                    <a:rPr lang="zh-CN" altLang="en-US" sz="4000" b="1" dirty="0">
-                      <a:solidFill>
-                        <a:srgbClr val="002060"/>
-                      </a:solidFill>
-                      <a:latin typeface="微软雅黑" panose="020B0503020204020204" pitchFamily="34" charset="-122"/>
-                      <a:ea typeface="微软雅黑" panose="020B0503020204020204" pitchFamily="34" charset="-122"/>
-                      <a:sym typeface="+mn-ea"/>
-                    </a:rPr>
-                    <a:t>原理</a:t>
-                  </a:r>
-                  <a:endParaRPr lang="zh-CN" altLang="en-US" sz="4000" b="1" dirty="0">
-                    <a:solidFill>
-                      <a:srgbClr val="002060"/>
-                    </a:solidFill>
-                    <a:latin typeface="微软雅黑" panose="020B0503020204020204" pitchFamily="34" charset="-122"/>
-                    <a:ea typeface="微软雅黑" panose="020B0503020204020204" pitchFamily="34" charset="-122"/>
-                    <a:sym typeface="+mn-ea"/>
-                  </a:endParaRPr>
                 </a:p>
               </p:txBody>
             </p:sp>
@@ -3861,27 +3803,8 @@
                       <a:ea typeface="微软雅黑" panose="020B0503020204020204" pitchFamily="34" charset="-122"/>
                       <a:sym typeface="+mn-ea"/>
                     </a:rPr>
-                    <a:t>初步通过</a:t>
+                    <a:t>初步通过月牙楼工位申请</a:t>
                   </a:r>
-                  <a:r>
-                    <a:rPr lang="zh-CN" altLang="en-US" sz="4000" b="1" dirty="0">
-                      <a:solidFill>
-                        <a:srgbClr val="002060"/>
-                      </a:solidFill>
-                      <a:latin typeface="微软雅黑" panose="020B0503020204020204" pitchFamily="34" charset="-122"/>
-                      <a:ea typeface="微软雅黑" panose="020B0503020204020204" pitchFamily="34" charset="-122"/>
-                      <a:sym typeface="+mn-ea"/>
-                    </a:rPr>
-                    <a:t>月牙楼工位申请</a:t>
-                  </a:r>
-                  <a:endParaRPr lang="zh-CN" altLang="en-US" sz="4000" b="1" dirty="0">
-                    <a:solidFill>
-                      <a:srgbClr val="002060"/>
-                    </a:solidFill>
-                    <a:latin typeface="微软雅黑" panose="020B0503020204020204" pitchFamily="34" charset="-122"/>
-                    <a:ea typeface="微软雅黑" panose="020B0503020204020204" pitchFamily="34" charset="-122"/>
-                    <a:sym typeface="+mn-ea"/>
-                  </a:endParaRPr>
                 </a:p>
               </p:txBody>
             </p:sp>
@@ -3959,27 +3882,8 @@
                     <a:ea typeface="微软雅黑" panose="020B0503020204020204" pitchFamily="34" charset="-122"/>
                     <a:sym typeface="+mn-ea"/>
                   </a:rPr>
-                  <a:t>参加学院组织的北京走访</a:t>
+                  <a:t>参加学院组织的北京走访调研</a:t>
                 </a:r>
-                <a:r>
-                  <a:rPr lang="zh-CN" altLang="en-US" sz="4000" b="1" dirty="0">
-                    <a:solidFill>
-                      <a:srgbClr val="002060"/>
-                    </a:solidFill>
-                    <a:latin typeface="微软雅黑" panose="020B0503020204020204" pitchFamily="34" charset="-122"/>
-                    <a:ea typeface="微软雅黑" panose="020B0503020204020204" pitchFamily="34" charset="-122"/>
-                    <a:sym typeface="+mn-ea"/>
-                  </a:rPr>
-                  <a:t>调研</a:t>
-                </a:r>
-                <a:endParaRPr lang="zh-CN" altLang="en-US" sz="4000" b="1" dirty="0">
-                  <a:solidFill>
-                    <a:srgbClr val="002060"/>
-                  </a:solidFill>
-                  <a:latin typeface="微软雅黑" panose="020B0503020204020204" pitchFamily="34" charset="-122"/>
-                  <a:ea typeface="微软雅黑" panose="020B0503020204020204" pitchFamily="34" charset="-122"/>
-                  <a:sym typeface="+mn-ea"/>
-                </a:endParaRPr>
               </a:p>
             </p:txBody>
           </p:sp>
@@ -4003,6 +3907,7 @@
             <a:bodyPr wrap="square">
               <a:spAutoFit/>
             </a:bodyPr>
+            <a:lstStyle/>
             <a:p>
               <a:pPr marL="508000" indent="-508000" defTabSz="1625600">
                 <a:lnSpc>
@@ -4056,27 +3961,8 @@
                   <a:ea typeface="微软雅黑" panose="020B0503020204020204" pitchFamily="34" charset="-122"/>
                   <a:sym typeface="+mn-ea"/>
                 </a:rPr>
-                <a:t>参加生物传感器小组</a:t>
+                <a:t>参加生物传感器小组组会</a:t>
               </a:r>
-              <a:r>
-                <a:rPr lang="zh-CN" altLang="en-US" sz="4000" b="1" dirty="0">
-                  <a:solidFill>
-                    <a:srgbClr val="002060"/>
-                  </a:solidFill>
-                  <a:latin typeface="微软雅黑" panose="020B0503020204020204" pitchFamily="34" charset="-122"/>
-                  <a:ea typeface="微软雅黑" panose="020B0503020204020204" pitchFamily="34" charset="-122"/>
-                  <a:sym typeface="+mn-ea"/>
-                </a:rPr>
-                <a:t>组会</a:t>
-              </a:r>
-              <a:endParaRPr lang="zh-CN" altLang="en-US" sz="4000" b="1" dirty="0">
-                <a:solidFill>
-                  <a:srgbClr val="002060"/>
-                </a:solidFill>
-                <a:latin typeface="微软雅黑" panose="020B0503020204020204" pitchFamily="34" charset="-122"/>
-                <a:ea typeface="微软雅黑" panose="020B0503020204020204" pitchFamily="34" charset="-122"/>
-                <a:sym typeface="+mn-ea"/>
-              </a:endParaRPr>
             </a:p>
           </p:txBody>
         </p:sp>
@@ -4184,14 +4070,6 @@
               </a:rPr>
               <a:t>学习文献，了解比色传感原理</a:t>
             </a:r>
-            <a:endParaRPr lang="zh-CN" altLang="en-US" sz="4000" b="1" dirty="0">
-              <a:solidFill>
-                <a:srgbClr val="002060"/>
-              </a:solidFill>
-              <a:latin typeface="微软雅黑" panose="020B0503020204020204" pitchFamily="34" charset="-122"/>
-              <a:ea typeface="微软雅黑" panose="020B0503020204020204" pitchFamily="34" charset="-122"/>
-              <a:sym typeface="+mn-ea"/>
-            </a:endParaRPr>
           </a:p>
         </p:txBody>
       </p:sp>
@@ -4265,19 +4143,8 @@
                 <a:latin typeface="仿宋" panose="02010609060101010101" charset="-122"/>
                 <a:ea typeface="仿宋" panose="02010609060101010101" charset="-122"/>
               </a:rPr>
-              <a:t>检测算法进行学习、复现、</a:t>
-            </a:r>
-            <a:r>
-              <a:rPr lang="zh-CN" altLang="en-US" sz="5400" b="1" dirty="0">
-                <a:latin typeface="仿宋" panose="02010609060101010101" charset="-122"/>
-                <a:ea typeface="仿宋" panose="02010609060101010101" charset="-122"/>
-              </a:rPr>
-              <a:t>改进。</a:t>
-            </a:r>
-            <a:endParaRPr lang="zh-CN" altLang="en-US" sz="5400" b="1" dirty="0">
-              <a:latin typeface="仿宋" panose="02010609060101010101" charset="-122"/>
-              <a:ea typeface="仿宋" panose="02010609060101010101" charset="-122"/>
-            </a:endParaRPr>
+              <a:t>检测算法进行学习、复现、改进。</a:t>
+            </a:r>
           </a:p>
         </p:txBody>
       </p:sp>
@@ -4290,7 +4157,7 @@
           <p:nvPr/>
         </p:nvPicPr>
         <p:blipFill>
-          <a:blip r:embed="rId1"/>
+          <a:blip r:embed="rId4"/>
           <a:stretch>
             <a:fillRect/>
           </a:stretch>
@@ -4353,6 +4220,7 @@
         </p:style>
         <p:txBody>
           <a:bodyPr rtlCol="0" anchor="ctr"/>
+          <a:lstStyle/>
           <a:p>
             <a:pPr algn="ctr"/>
             <a:endParaRPr lang="zh-CN" altLang="en-US"/>
@@ -4379,6 +4247,7 @@
           <a:bodyPr wrap="square" rtlCol="0" anchor="t">
             <a:spAutoFit/>
           </a:bodyPr>
+          <a:lstStyle/>
           <a:p>
             <a:r>
               <a:rPr lang="zh-CN" altLang="en-US" sz="2800" b="1" dirty="0">
@@ -4411,27 +4280,8 @@
                 <a:ea typeface="仿宋" panose="02010609060101010101" charset="-122"/>
                 <a:sym typeface="+mn-ea"/>
               </a:rPr>
-              <a:t>个等级，以及预测的</a:t>
-            </a:r>
-            <a:r>
-              <a:rPr lang="zh-CN" altLang="en-US" sz="2800" b="1" dirty="0">
-                <a:solidFill>
-                  <a:srgbClr val="FF0000"/>
-                </a:solidFill>
-                <a:latin typeface="仿宋" panose="02010609060101010101" charset="-122"/>
-                <a:ea typeface="仿宋" panose="02010609060101010101" charset="-122"/>
-                <a:sym typeface="+mn-ea"/>
-              </a:rPr>
-              <a:t>具体置信度。</a:t>
-            </a:r>
-            <a:endParaRPr lang="zh-CN" altLang="en-US" sz="2800" b="1" dirty="0">
-              <a:solidFill>
-                <a:srgbClr val="FF0000"/>
-              </a:solidFill>
-              <a:latin typeface="仿宋" panose="02010609060101010101" charset="-122"/>
-              <a:ea typeface="仿宋" panose="02010609060101010101" charset="-122"/>
-              <a:sym typeface="+mn-ea"/>
-            </a:endParaRPr>
+              <a:t>个等级，以及预测的具体置信度。</a:t>
+            </a:r>
           </a:p>
         </p:txBody>
       </p:sp>
@@ -4483,6 +4333,7 @@
         </p:style>
         <p:txBody>
           <a:bodyPr rtlCol="0" anchor="ctr"/>
+          <a:lstStyle/>
           <a:p>
             <a:pPr algn="ctr"/>
             <a:endParaRPr lang="zh-CN" altLang="en-US"/>
@@ -4509,6 +4360,7 @@
           <a:bodyPr wrap="square" rtlCol="0" anchor="t">
             <a:spAutoFit/>
           </a:bodyPr>
+          <a:lstStyle/>
           <a:p>
             <a:r>
               <a:rPr lang="zh-CN" altLang="en-US" sz="2800" b="1" dirty="0">
@@ -4519,8 +4371,100 @@
                 <a:ea typeface="仿宋" panose="02010609060101010101" charset="-122"/>
                 <a:sym typeface="+mn-ea"/>
               </a:rPr>
-              <a:t>等级、阴性</a:t>
-            </a:r>
+              <a:t>等级、阴性或阳性、此等级的置信度</a:t>
+            </a:r>
+          </a:p>
+        </p:txBody>
+      </p:sp>
+      <p:sp>
+        <p:nvSpPr>
+          <p:cNvPr id="5" name="矩形 4">
+            <a:extLst>
+              <a:ext uri="{FF2B5EF4-FFF2-40B4-BE49-F238E27FC236}">
+                <a16:creationId xmlns:a16="http://schemas.microsoft.com/office/drawing/2014/main" id="{900870F0-B576-CD75-26C4-4A39578D16C5}"/>
+              </a:ext>
+            </a:extLst>
+          </p:cNvPr>
+          <p:cNvSpPr/>
+          <p:nvPr/>
+        </p:nvSpPr>
+        <p:spPr>
+          <a:xfrm>
+            <a:off x="1703294" y="1775012"/>
+            <a:ext cx="3603812" cy="4034117"/>
+          </a:xfrm>
+          <a:prstGeom prst="rect">
+            <a:avLst/>
+          </a:prstGeom>
+          <a:noFill/>
+          <a:ln w="76200">
+            <a:solidFill>
+              <a:srgbClr val="FF0000"/>
+            </a:solidFill>
+          </a:ln>
+          <a:extLst>
+            <a:ext uri="{909E8E84-426E-40DD-AFC4-6F175D3DCCD1}">
+              <a14:hiddenFill xmlns:a14="http://schemas.microsoft.com/office/drawing/2010/main">
+                <a:solidFill>
+                  <a:schemeClr val="tx2"/>
+                </a:solidFill>
+              </a14:hiddenFill>
+            </a:ext>
+          </a:extLst>
+        </p:spPr>
+        <p:style>
+          <a:lnRef idx="2">
+            <a:schemeClr val="accent1">
+              <a:lumMod val="75000"/>
+            </a:schemeClr>
+          </a:lnRef>
+          <a:fillRef idx="1">
+            <a:schemeClr val="accent1"/>
+          </a:fillRef>
+          <a:effectRef idx="0">
+            <a:srgbClr val="FFFFFF"/>
+          </a:effectRef>
+          <a:fontRef idx="minor">
+            <a:schemeClr val="lt1"/>
+          </a:fontRef>
+        </p:style>
+        <p:txBody>
+          <a:bodyPr rtlCol="0" anchor="ctr"/>
+          <a:lstStyle/>
+          <a:p>
+            <a:pPr algn="ctr"/>
+            <a:endParaRPr lang="zh-CN" altLang="en-US"/>
+          </a:p>
+        </p:txBody>
+      </p:sp>
+      <p:sp>
+        <p:nvSpPr>
+          <p:cNvPr id="9" name="文本框 8">
+            <a:extLst>
+              <a:ext uri="{FF2B5EF4-FFF2-40B4-BE49-F238E27FC236}">
+                <a16:creationId xmlns:a16="http://schemas.microsoft.com/office/drawing/2014/main" id="{87E92E6F-96DD-6041-06B6-E43C3903C328}"/>
+              </a:ext>
+            </a:extLst>
+          </p:cNvPr>
+          <p:cNvSpPr txBox="1"/>
+          <p:nvPr/>
+        </p:nvSpPr>
+        <p:spPr>
+          <a:xfrm>
+            <a:off x="6038734" y="1762508"/>
+            <a:ext cx="9129547" cy="523220"/>
+          </a:xfrm>
+          <a:prstGeom prst="rect">
+            <a:avLst/>
+          </a:prstGeom>
+          <a:noFill/>
+        </p:spPr>
+        <p:txBody>
+          <a:bodyPr wrap="square" rtlCol="0" anchor="t">
+            <a:spAutoFit/>
+          </a:bodyPr>
+          <a:lstStyle/>
+          <a:p>
             <a:r>
               <a:rPr lang="zh-CN" altLang="en-US" sz="2800" b="1" dirty="0">
                 <a:solidFill>
@@ -4530,33 +4474,14 @@
                 <a:ea typeface="仿宋" panose="02010609060101010101" charset="-122"/>
                 <a:sym typeface="+mn-ea"/>
               </a:rPr>
-              <a:t>或阳性、此等级</a:t>
-            </a:r>
-            <a:r>
-              <a:rPr lang="zh-CN" altLang="en-US" sz="2800" b="1" dirty="0">
-                <a:solidFill>
-                  <a:srgbClr val="FF0000"/>
-                </a:solidFill>
-                <a:latin typeface="仿宋" panose="02010609060101010101" charset="-122"/>
-                <a:ea typeface="仿宋" panose="02010609060101010101" charset="-122"/>
-                <a:sym typeface="+mn-ea"/>
-              </a:rPr>
-              <a:t>的置信度</a:t>
-            </a:r>
-            <a:endParaRPr lang="zh-CN" altLang="en-US" sz="2800" b="1" dirty="0">
-              <a:solidFill>
-                <a:srgbClr val="FF0000"/>
-              </a:solidFill>
-              <a:latin typeface="仿宋" panose="02010609060101010101" charset="-122"/>
-              <a:ea typeface="仿宋" panose="02010609060101010101" charset="-122"/>
-              <a:sym typeface="+mn-ea"/>
-            </a:endParaRPr>
+              <a:t>图片描述了是模型训练过程中准确率逐步提升的过程</a:t>
+            </a:r>
           </a:p>
         </p:txBody>
       </p:sp>
     </p:spTree>
     <p:custDataLst>
-      <p:tags r:id="rId2"/>
+      <p:tags r:id="rId1"/>
     </p:custDataLst>
   </p:cSld>
   <p:clrMapOvr>
@@ -4657,14 +4582,6 @@
               </a:rPr>
               <a:t>初步通过月牙楼工位申请</a:t>
             </a:r>
-            <a:endParaRPr lang="zh-CN" altLang="en-US" sz="4000" b="1" dirty="0">
-              <a:solidFill>
-                <a:srgbClr val="002060"/>
-              </a:solidFill>
-              <a:latin typeface="微软雅黑" panose="020B0503020204020204" pitchFamily="34" charset="-122"/>
-              <a:ea typeface="微软雅黑" panose="020B0503020204020204" pitchFamily="34" charset="-122"/>
-              <a:sym typeface="+mn-ea"/>
-            </a:endParaRPr>
           </a:p>
         </p:txBody>
       </p:sp>
@@ -4704,10 +4621,6 @@
               </a:rPr>
               <a:t>参与工位申请答辩，已确定入围。当前还在结果公示期，未办理入驻手续，后续还需要与创新创业学院协商具体入驻事宜。</a:t>
             </a:r>
-            <a:endParaRPr lang="zh-CN" altLang="en-US" sz="5400" b="1" dirty="0">
-              <a:latin typeface="仿宋" panose="02010609060101010101" charset="-122"/>
-              <a:ea typeface="仿宋" panose="02010609060101010101" charset="-122"/>
-            </a:endParaRPr>
           </a:p>
         </p:txBody>
       </p:sp>
@@ -4720,7 +4633,7 @@
           <p:nvPr/>
         </p:nvPicPr>
         <p:blipFill>
-          <a:blip r:embed="rId1"/>
+          <a:blip r:embed="rId4"/>
           <a:stretch>
             <a:fillRect/>
           </a:stretch>
@@ -4783,6 +4696,7 @@
         </p:style>
         <p:txBody>
           <a:bodyPr rtlCol="0" anchor="ctr"/>
+          <a:lstStyle/>
           <a:p>
             <a:pPr algn="ctr"/>
             <a:endParaRPr lang="zh-CN" altLang="en-US"/>
@@ -4798,7 +4712,7 @@
           <p:nvPr/>
         </p:nvPicPr>
         <p:blipFill>
-          <a:blip r:embed="rId2"/>
+          <a:blip r:embed="rId5"/>
           <a:stretch>
             <a:fillRect/>
           </a:stretch>
@@ -4815,7 +4729,7 @@
       </p:pic>
     </p:spTree>
     <p:custDataLst>
-      <p:tags r:id="rId3"/>
+      <p:tags r:id="rId1"/>
     </p:custDataLst>
   </p:cSld>
   <p:clrMapOvr>
@@ -4916,14 +4830,6 @@
               </a:rPr>
               <a:t>参加学院组织的北京走访调研</a:t>
             </a:r>
-            <a:endParaRPr lang="zh-CN" altLang="en-US" sz="4000" b="1" dirty="0">
-              <a:solidFill>
-                <a:srgbClr val="002060"/>
-              </a:solidFill>
-              <a:latin typeface="微软雅黑" panose="020B0503020204020204" pitchFamily="34" charset="-122"/>
-              <a:ea typeface="微软雅黑" panose="020B0503020204020204" pitchFamily="34" charset="-122"/>
-              <a:sym typeface="+mn-ea"/>
-            </a:endParaRPr>
           </a:p>
         </p:txBody>
       </p:sp>
@@ -4961,19 +4867,8 @@
                 <a:latin typeface="仿宋" panose="02010609060101010101" charset="-122"/>
                 <a:ea typeface="仿宋" panose="02010609060101010101" charset="-122"/>
               </a:rPr>
-              <a:t>参加学院组织的北京走访调研活动，与中国中化、农机院、水科院。与老师同学们进行交流，学习了一些有关机械结构设计的</a:t>
-            </a:r>
-            <a:r>
-              <a:rPr lang="zh-CN" altLang="en-US" sz="5400" b="1" dirty="0">
-                <a:latin typeface="仿宋" panose="02010609060101010101" charset="-122"/>
-                <a:ea typeface="仿宋" panose="02010609060101010101" charset="-122"/>
-              </a:rPr>
-              <a:t>知识。</a:t>
-            </a:r>
-            <a:endParaRPr lang="zh-CN" altLang="en-US" sz="5400" b="1" dirty="0">
-              <a:latin typeface="仿宋" panose="02010609060101010101" charset="-122"/>
-              <a:ea typeface="仿宋" panose="02010609060101010101" charset="-122"/>
-            </a:endParaRPr>
+              <a:t>参加学院组织的北京走访调研活动，与中国中化、农机院、水科院。与老师同学们进行交流，学习了一些有关机械结构设计的知识。</a:t>
+            </a:r>
           </a:p>
         </p:txBody>
       </p:sp>
@@ -4986,7 +4881,7 @@
           <p:nvPr/>
         </p:nvPicPr>
         <p:blipFill>
-          <a:blip r:embed="rId1"/>
+          <a:blip r:embed="rId4"/>
           <a:stretch>
             <a:fillRect/>
           </a:stretch>
@@ -5010,7 +4905,7 @@
           <p:nvPr/>
         </p:nvPicPr>
         <p:blipFill>
-          <a:blip r:embed="rId2"/>
+          <a:blip r:embed="rId5"/>
           <a:stretch>
             <a:fillRect/>
           </a:stretch>
@@ -5034,7 +4929,7 @@
           <p:nvPr/>
         </p:nvPicPr>
         <p:blipFill>
-          <a:blip r:embed="rId3"/>
+          <a:blip r:embed="rId6"/>
           <a:stretch>
             <a:fillRect/>
           </a:stretch>
@@ -5058,7 +4953,7 @@
           <p:nvPr/>
         </p:nvPicPr>
         <p:blipFill>
-          <a:blip r:embed="rId4"/>
+          <a:blip r:embed="rId7"/>
           <a:stretch>
             <a:fillRect/>
           </a:stretch>
@@ -5075,7 +4970,7 @@
       </p:pic>
     </p:spTree>
     <p:custDataLst>
-      <p:tags r:id="rId5"/>
+      <p:tags r:id="rId1"/>
     </p:custDataLst>
   </p:cSld>
   <p:clrMapOvr>
@@ -5176,14 +5071,6 @@
               </a:rPr>
               <a:t>参加生物传感器小组组会</a:t>
             </a:r>
-            <a:endParaRPr lang="zh-CN" altLang="en-US" sz="4000" b="1" dirty="0">
-              <a:solidFill>
-                <a:srgbClr val="002060"/>
-              </a:solidFill>
-              <a:latin typeface="微软雅黑" panose="020B0503020204020204" pitchFamily="34" charset="-122"/>
-              <a:ea typeface="微软雅黑" panose="020B0503020204020204" pitchFamily="34" charset="-122"/>
-              <a:sym typeface="+mn-ea"/>
-            </a:endParaRPr>
           </a:p>
         </p:txBody>
       </p:sp>
@@ -5222,19 +5109,8 @@
                 <a:latin typeface="仿宋" panose="02010609060101010101" charset="-122"/>
                 <a:ea typeface="仿宋" panose="02010609060101010101" charset="-122"/>
               </a:rPr>
-              <a:t>，学习了一些微流控芯片相关的检测原理、设计方法、应用场景</a:t>
-            </a:r>
-            <a:r>
-              <a:rPr lang="zh-CN" altLang="en-US" sz="5400" b="1" dirty="0">
-                <a:latin typeface="仿宋" panose="02010609060101010101" charset="-122"/>
-                <a:ea typeface="仿宋" panose="02010609060101010101" charset="-122"/>
-              </a:rPr>
-              <a:t>等。</a:t>
-            </a:r>
-            <a:endParaRPr lang="zh-CN" altLang="en-US" sz="5400" b="1" dirty="0">
-              <a:latin typeface="仿宋" panose="02010609060101010101" charset="-122"/>
-              <a:ea typeface="仿宋" panose="02010609060101010101" charset="-122"/>
-            </a:endParaRPr>
+              <a:t>，学习了一些微流控芯片相关的检测原理、设计方法、应用场景等。</a:t>
+            </a:r>
           </a:p>
         </p:txBody>
       </p:sp>
@@ -5245,7 +5121,7 @@
           <p:nvPr/>
         </p:nvPicPr>
         <p:blipFill>
-          <a:blip r:embed="rId1"/>
+          <a:blip r:embed="rId4"/>
           <a:stretch>
             <a:fillRect/>
           </a:stretch>
@@ -5266,7 +5142,7 @@
       </p:pic>
     </p:spTree>
     <p:custDataLst>
-      <p:tags r:id="rId2"/>
+      <p:tags r:id="rId1"/>
     </p:custDataLst>
   </p:cSld>
   <p:clrMapOvr>
@@ -5276,22 +5152,13 @@
 </file>
 
 <file path=ppt/tags/tag1.xml><?xml version="1.0" encoding="utf-8"?>
-<p:tagLst xmlns:p="http://schemas.openxmlformats.org/presentationml/2006/main">
-  <p:tag name="KSO_WM_TEMPLATE_CATEGORY" val="preset"/>
-  <p:tag name="KSO_WM_TEMPLATE_INDEX" val="11"/>
-  <p:tag name="KSO_WM_TAG_VERSION" val="1.0"/>
-  <p:tag name="KSO_WM_SLIDE_ID" val="256"/>
-  <p:tag name="KSO_WM_SLIDE_INDEX" val="1"/>
-  <p:tag name="KSO_WM_SLIDE_ITEM_CNT" val="2"/>
-  <p:tag name="KSO_WM_SLIDE_LAYOUT" val="a_b"/>
-  <p:tag name="KSO_WM_SLIDE_LAYOUT_CNT" val="1_1"/>
-  <p:tag name="KSO_WM_SLIDE_TYPE" val="title"/>
-  <p:tag name="KSO_WM_BEAUTIFY_FLAG" val="#wm#"/>
+<p:tagLst xmlns:a="http://schemas.openxmlformats.org/drawingml/2006/main" xmlns:r="http://schemas.openxmlformats.org/officeDocument/2006/relationships" xmlns:p="http://schemas.openxmlformats.org/presentationml/2006/main">
+  <p:tag name="COMMONDATA" val="eyJoZGlkIjoiOWRhYTQ4MWJhYTY5NDkxMzUyNjRmODllNWQxOTAzMTUifQ=="/>
 </p:tagLst>
 </file>
 
 <file path=ppt/tags/tag2.xml><?xml version="1.0" encoding="utf-8"?>
-<p:tagLst xmlns:p="http://schemas.openxmlformats.org/presentationml/2006/main">
+<p:tagLst xmlns:a="http://schemas.openxmlformats.org/drawingml/2006/main" xmlns:r="http://schemas.openxmlformats.org/officeDocument/2006/relationships" xmlns:p="http://schemas.openxmlformats.org/presentationml/2006/main">
   <p:tag name="KSO_WM_TEMPLATE_CATEGORY" val="preset"/>
   <p:tag name="KSO_WM_TEMPLATE_INDEX" val="11"/>
   <p:tag name="KSO_WM_TAG_VERSION" val="1.0"/>
@@ -5306,7 +5173,7 @@
 </file>
 
 <file path=ppt/tags/tag3.xml><?xml version="1.0" encoding="utf-8"?>
-<p:tagLst xmlns:p="http://schemas.openxmlformats.org/presentationml/2006/main">
+<p:tagLst xmlns:a="http://schemas.openxmlformats.org/drawingml/2006/main" xmlns:r="http://schemas.openxmlformats.org/officeDocument/2006/relationships" xmlns:p="http://schemas.openxmlformats.org/presentationml/2006/main">
   <p:tag name="KSO_WM_TEMPLATE_CATEGORY" val="preset"/>
   <p:tag name="KSO_WM_TEMPLATE_INDEX" val="11"/>
   <p:tag name="KSO_WM_TAG_VERSION" val="1.0"/>
@@ -5321,7 +5188,7 @@
 </file>
 
 <file path=ppt/tags/tag4.xml><?xml version="1.0" encoding="utf-8"?>
-<p:tagLst xmlns:p="http://schemas.openxmlformats.org/presentationml/2006/main">
+<p:tagLst xmlns:a="http://schemas.openxmlformats.org/drawingml/2006/main" xmlns:r="http://schemas.openxmlformats.org/officeDocument/2006/relationships" xmlns:p="http://schemas.openxmlformats.org/presentationml/2006/main">
   <p:tag name="KSO_WM_TEMPLATE_CATEGORY" val="preset"/>
   <p:tag name="KSO_WM_TEMPLATE_INDEX" val="11"/>
   <p:tag name="KSO_WM_TAG_VERSION" val="1.0"/>
@@ -5336,7 +5203,7 @@
 </file>
 
 <file path=ppt/tags/tag5.xml><?xml version="1.0" encoding="utf-8"?>
-<p:tagLst xmlns:p="http://schemas.openxmlformats.org/presentationml/2006/main">
+<p:tagLst xmlns:a="http://schemas.openxmlformats.org/drawingml/2006/main" xmlns:r="http://schemas.openxmlformats.org/officeDocument/2006/relationships" xmlns:p="http://schemas.openxmlformats.org/presentationml/2006/main">
   <p:tag name="KSO_WM_TEMPLATE_CATEGORY" val="preset"/>
   <p:tag name="KSO_WM_TEMPLATE_INDEX" val="11"/>
   <p:tag name="KSO_WM_TAG_VERSION" val="1.0"/>
@@ -5351,8 +5218,17 @@
 </file>
 
 <file path=ppt/tags/tag6.xml><?xml version="1.0" encoding="utf-8"?>
-<p:tagLst xmlns:p="http://schemas.openxmlformats.org/presentationml/2006/main">
-  <p:tag name="COMMONDATA" val="eyJoZGlkIjoiOWRhYTQ4MWJhYTY5NDkxMzUyNjRmODllNWQxOTAzMTUifQ=="/>
+<p:tagLst xmlns:a="http://schemas.openxmlformats.org/drawingml/2006/main" xmlns:r="http://schemas.openxmlformats.org/officeDocument/2006/relationships" xmlns:p="http://schemas.openxmlformats.org/presentationml/2006/main">
+  <p:tag name="KSO_WM_TEMPLATE_CATEGORY" val="preset"/>
+  <p:tag name="KSO_WM_TEMPLATE_INDEX" val="11"/>
+  <p:tag name="KSO_WM_TAG_VERSION" val="1.0"/>
+  <p:tag name="KSO_WM_SLIDE_ID" val="256"/>
+  <p:tag name="KSO_WM_SLIDE_INDEX" val="1"/>
+  <p:tag name="KSO_WM_SLIDE_ITEM_CNT" val="2"/>
+  <p:tag name="KSO_WM_SLIDE_LAYOUT" val="a_b"/>
+  <p:tag name="KSO_WM_SLIDE_LAYOUT_CNT" val="1_1"/>
+  <p:tag name="KSO_WM_SLIDE_TYPE" val="title"/>
+  <p:tag name="KSO_WM_BEAUTIFY_FLAG" val="#wm#"/>
 </p:tagLst>
 </file>
 
@@ -5607,6 +5483,8 @@
       </a:bgFillStyleLst>
     </a:fmtScheme>
   </a:themeElements>
+  <a:objectDefaults/>
+  <a:extraClrSchemeLst/>
   <a:extLst>
     <a:ext uri="{05A4C25C-085E-4340-85A3-A5531E510DB2}">
       <thm15:themeFamily xmlns:thm15="http://schemas.microsoft.com/office/thememl/2012/main" name="Office Theme" id="{62F939B6-93AF-4DB8-9C6B-D6C7DFDC589F}" vid="{4A3C46E8-61CC-4603-A589-7422A47A8E4A}"/>
@@ -5866,6 +5744,8 @@
       </a:bgFillStyleLst>
     </a:fmtScheme>
   </a:themeElements>
+  <a:objectDefaults/>
+  <a:extraClrSchemeLst/>
   <a:extLst>
     <a:ext uri="{05A4C25C-085E-4340-85A3-A5531E510DB2}">
       <thm15:themeFamily xmlns:thm15="http://schemas.microsoft.com/office/thememl/2012/main" name="Office Theme" id="{62F939B6-93AF-4DB8-9C6B-D6C7DFDC589F}" vid="{4A3C46E8-61CC-4603-A589-7422A47A8E4A}"/>
